--- a/Share Picture.pptx
+++ b/Share Picture.pptx
@@ -13,8 +13,8 @@
     <p:sldId id="263" r:id="rId7"/>
     <p:sldId id="262" r:id="rId8"/>
     <p:sldId id="261" r:id="rId9"/>
-    <p:sldId id="264" r:id="rId10"/>
-    <p:sldId id="265" r:id="rId11"/>
+    <p:sldId id="265" r:id="rId10"/>
+    <p:sldId id="266" r:id="rId11"/>
   </p:sldIdLst>
   <p:sldSz cx="12192000" cy="6858000"/>
   <p:notesSz cx="6858000" cy="9144000"/>
@@ -113,6 +113,11 @@
       </a:defRPr>
     </a:lvl9pPr>
   </p:defaultTextStyle>
+  <p:extLst>
+    <p:ext uri="{EFAFB233-063F-42B5-8137-9DF3F51BA10A}">
+      <p15:sldGuideLst xmlns:p15="http://schemas.microsoft.com/office/powerpoint/2012/main"/>
+    </p:ext>
+  </p:extLst>
 </p:presentation>
 </file>
 
@@ -569,7 +574,7 @@
           <a:p>
             <a:fld id="{F7AFFB9B-9FB8-469E-96F9-4D32314110B6}" type="datetimeFigureOut">
               <a:rPr lang="en-US" dirty="0"/>
-              <a:t>1/2/2022</a:t>
+              <a:t>6/22/2022</a:t>
             </a:fld>
             <a:endParaRPr lang="en-US" dirty="0"/>
           </a:p>
@@ -897,7 +902,7 @@
           <a:p>
             <a:fld id="{341D2AC3-6A0B-4169-B1EA-E3AE8B351BDD}" type="datetimeFigureOut">
               <a:rPr lang="en-US" dirty="0"/>
-              <a:t>1/2/2022</a:t>
+              <a:t>6/22/2022</a:t>
             </a:fld>
             <a:endParaRPr lang="en-US" dirty="0"/>
           </a:p>
@@ -1088,7 +1093,7 @@
           <a:p>
             <a:fld id="{DD4B9363-8B87-41B7-9F8E-64519CBB8F34}" type="datetimeFigureOut">
               <a:rPr lang="en-US" dirty="0"/>
-              <a:t>1/2/2022</a:t>
+              <a:t>6/22/2022</a:t>
             </a:fld>
             <a:endParaRPr lang="en-US" dirty="0"/>
           </a:p>
@@ -1353,7 +1358,7 @@
           <a:p>
             <a:fld id="{EAEF5746-5284-4951-9F37-7AE924EDBCB7}" type="datetimeFigureOut">
               <a:rPr lang="en-US" dirty="0"/>
-              <a:t>1/2/2022</a:t>
+              <a:t>6/22/2022</a:t>
             </a:fld>
             <a:endParaRPr lang="en-US" dirty="0"/>
           </a:p>
@@ -1776,7 +1781,7 @@
           <a:p>
             <a:fld id="{02398B29-7265-4A65-A2A4-6703C057B7C1}" type="datetimeFigureOut">
               <a:rPr lang="en-US" dirty="0"/>
-              <a:t>1/2/2022</a:t>
+              <a:t>6/22/2022</a:t>
             </a:fld>
             <a:endParaRPr lang="en-US" dirty="0"/>
           </a:p>
@@ -2321,7 +2326,7 @@
           <a:p>
             <a:fld id="{28FBA082-94DF-4C4B-A041-6624924AB0A8}" type="datetimeFigureOut">
               <a:rPr lang="en-US" dirty="0"/>
-              <a:t>1/2/2022</a:t>
+              <a:t>6/22/2022</a:t>
             </a:fld>
             <a:endParaRPr lang="en-US" dirty="0"/>
           </a:p>
@@ -3106,7 +3111,7 @@
           <a:p>
             <a:fld id="{B27686C4-3AB5-4E0C-86CA-FB108C350AA9}" type="datetimeFigureOut">
               <a:rPr lang="en-US" dirty="0"/>
-              <a:t>1/2/2022</a:t>
+              <a:t>6/22/2022</a:t>
             </a:fld>
             <a:endParaRPr lang="en-US" dirty="0"/>
           </a:p>
@@ -3280,7 +3285,7 @@
           <a:p>
             <a:fld id="{49FF1211-4E0C-4AB3-B04F-585959BDAFE8}" type="datetimeFigureOut">
               <a:rPr lang="en-US" dirty="0"/>
-              <a:t>1/2/2022</a:t>
+              <a:t>6/22/2022</a:t>
             </a:fld>
             <a:endParaRPr lang="en-US" dirty="0"/>
           </a:p>
@@ -3459,7 +3464,7 @@
           <a:p>
             <a:fld id="{28BDECAF-D3BE-4069-9C78-642ECCD01477}" type="datetimeFigureOut">
               <a:rPr lang="en-US" dirty="0"/>
-              <a:t>1/2/2022</a:t>
+              <a:t>6/22/2022</a:t>
             </a:fld>
             <a:endParaRPr lang="en-US" dirty="0"/>
           </a:p>
@@ -3629,7 +3634,7 @@
           <a:p>
             <a:fld id="{8EFBDC27-E420-4878-9EE6-7B9656D6442A}" type="datetimeFigureOut">
               <a:rPr lang="en-US" dirty="0"/>
-              <a:t>1/2/2022</a:t>
+              <a:t>6/22/2022</a:t>
             </a:fld>
             <a:endParaRPr lang="en-US" dirty="0"/>
           </a:p>
@@ -3874,7 +3879,7 @@
           <a:p>
             <a:fld id="{0F7F47CF-67C9-420C-80A5-E2069FF0C2DF}" type="datetimeFigureOut">
               <a:rPr lang="en-US" dirty="0"/>
-              <a:t>1/2/2022</a:t>
+              <a:t>6/22/2022</a:t>
             </a:fld>
             <a:endParaRPr lang="en-US" dirty="0"/>
           </a:p>
@@ -4106,7 +4111,7 @@
           <a:p>
             <a:fld id="{AE22DC73-F065-42F5-A9F2-D90B2E42A0B3}" type="datetimeFigureOut">
               <a:rPr lang="en-US" dirty="0"/>
-              <a:t>1/2/2022</a:t>
+              <a:t>6/22/2022</a:t>
             </a:fld>
             <a:endParaRPr lang="en-US" dirty="0"/>
           </a:p>
@@ -4486,7 +4491,7 @@
           <a:p>
             <a:fld id="{76BEA702-9B29-41CC-9BCC-3DF8A0D379FE}" type="datetimeFigureOut">
               <a:rPr lang="en-US" dirty="0"/>
-              <a:t>1/2/2022</a:t>
+              <a:t>6/22/2022</a:t>
             </a:fld>
             <a:endParaRPr lang="en-US" dirty="0"/>
           </a:p>
@@ -4599,7 +4604,7 @@
           <a:p>
             <a:fld id="{097649AC-CB8F-4FF1-9A34-5861C74DD0A7}" type="datetimeFigureOut">
               <a:rPr lang="en-US" dirty="0"/>
-              <a:t>1/2/2022</a:t>
+              <a:t>6/22/2022</a:t>
             </a:fld>
             <a:endParaRPr lang="en-US" dirty="0"/>
           </a:p>
@@ -4689,7 +4694,7 @@
           <a:p>
             <a:fld id="{3EC5CECA-2D3A-4680-9B49-752200DE467C}" type="datetimeFigureOut">
               <a:rPr lang="en-US" dirty="0"/>
-              <a:t>1/2/2022</a:t>
+              <a:t>6/22/2022</a:t>
             </a:fld>
             <a:endParaRPr lang="en-US" dirty="0"/>
           </a:p>
@@ -4937,7 +4942,7 @@
           <a:p>
             <a:fld id="{50C3BFE2-83B7-4B0A-B9D3-AB28331082B3}" type="datetimeFigureOut">
               <a:rPr lang="en-US" dirty="0"/>
-              <a:t>1/2/2022</a:t>
+              <a:t>6/22/2022</a:t>
             </a:fld>
             <a:endParaRPr lang="en-US" dirty="0"/>
           </a:p>
@@ -5201,7 +5206,7 @@
           <a:p>
             <a:fld id="{12EF78E3-FDA3-4D28-AAA2-0B81F349A39D}" type="datetimeFigureOut">
               <a:rPr lang="en-US" dirty="0"/>
-              <a:t>1/2/2022</a:t>
+              <a:t>6/22/2022</a:t>
             </a:fld>
             <a:endParaRPr lang="en-US" dirty="0"/>
           </a:p>
@@ -5599,7 +5604,7 @@
           <a:p>
             <a:fld id="{C35BB1C6-BF8F-4481-8AB2-603A1C8A906A}" type="datetimeFigureOut">
               <a:rPr lang="en-US" dirty="0"/>
-              <a:t>1/2/2022</a:t>
+              <a:t>6/22/2022</a:t>
             </a:fld>
             <a:endParaRPr lang="en-US" dirty="0"/>
           </a:p>
@@ -6146,7 +6151,7 @@
         <p:spPr/>
         <p:txBody>
           <a:bodyPr>
-            <a:normAutofit fontScale="90000"/>
+            <a:normAutofit/>
           </a:bodyPr>
           <a:lstStyle/>
           <a:p>
@@ -6154,18 +6159,7 @@
               <a:rPr lang="en-US" dirty="0" smtClean="0">
                 <a:latin typeface="Arial Black" panose="020B0A04020102020204" pitchFamily="34" charset="0"/>
               </a:rPr>
-              <a:t>Selected</a:t>
-            </a:r>
-            <a:br>
-              <a:rPr lang="en-US" dirty="0" smtClean="0">
-                <a:latin typeface="Arial Black" panose="020B0A04020102020204" pitchFamily="34" charset="0"/>
-              </a:rPr>
-            </a:br>
-            <a:r>
-              <a:rPr lang="en-US" dirty="0" smtClean="0">
-                <a:latin typeface="Arial Black" panose="020B0A04020102020204" pitchFamily="34" charset="0"/>
-              </a:rPr>
-              <a:t>and save</a:t>
+              <a:t>Statistic</a:t>
             </a:r>
             <a:endParaRPr lang="en-US" dirty="0">
               <a:latin typeface="Arial Black" panose="020B0A04020102020204" pitchFamily="34" charset="0"/>
@@ -6189,32 +6183,8 @@
         </p:blipFill>
         <p:spPr>
           <a:xfrm>
-            <a:off x="473777" y="1940990"/>
-            <a:ext cx="6107150" cy="3433595"/>
-          </a:xfrm>
-          <a:prstGeom prst="rect">
-            <a:avLst/>
-          </a:prstGeom>
-        </p:spPr>
-      </p:pic>
-      <p:pic>
-        <p:nvPicPr>
-          <p:cNvPr id="8" name="Picture 7"/>
-          <p:cNvPicPr>
-            <a:picLocks noChangeAspect="1"/>
-          </p:cNvPicPr>
-          <p:nvPr/>
-        </p:nvPicPr>
-        <p:blipFill>
-          <a:blip r:embed="rId3"/>
-          <a:stretch>
-            <a:fillRect/>
-          </a:stretch>
-        </p:blipFill>
-        <p:spPr>
-          <a:xfrm>
-            <a:off x="6786382" y="1940990"/>
-            <a:ext cx="4750803" cy="2594535"/>
+            <a:off x="5348633" y="1456765"/>
+            <a:ext cx="5734050" cy="3225403"/>
           </a:xfrm>
           <a:prstGeom prst="rect">
             <a:avLst/>
@@ -6224,7 +6194,7 @@
     </p:spTree>
     <p:extLst>
       <p:ext uri="{BB962C8B-B14F-4D97-AF65-F5344CB8AC3E}">
-        <p14:creationId xmlns:p14="http://schemas.microsoft.com/office/powerpoint/2010/main" val="134317824"/>
+        <p14:creationId xmlns:p14="http://schemas.microsoft.com/office/powerpoint/2010/main" val="4155473710"/>
       </p:ext>
     </p:extLst>
   </p:cSld>
@@ -6294,45 +6264,30 @@
           <a:lstStyle/>
           <a:p>
             <a:r>
-              <a:rPr lang="en-US" dirty="0" smtClean="0"/>
+              <a:rPr lang="en-US" sz="2400" b="1" dirty="0" smtClean="0">
+                <a:latin typeface="Times New Roman" panose="02020603050405020304" pitchFamily="18" charset="0"/>
+                <a:cs typeface="Times New Roman" panose="02020603050405020304" pitchFamily="18" charset="0"/>
+              </a:rPr>
               <a:t>Python web using Flask, </a:t>
             </a:r>
             <a:r>
-              <a:rPr lang="en-US" dirty="0" err="1" smtClean="0"/>
-              <a:t>SQlAlchemy</a:t>
-            </a:r>
-            <a:r>
-              <a:rPr lang="en-US" dirty="0" smtClean="0"/>
-              <a:t>, </a:t>
-            </a:r>
-            <a:r>
-              <a:rPr lang="en-US" dirty="0" err="1" smtClean="0"/>
-              <a:t>RestFul</a:t>
-            </a:r>
-            <a:r>
-              <a:rPr lang="en-US" dirty="0" smtClean="0"/>
-              <a:t> </a:t>
-            </a:r>
-            <a:r>
-              <a:rPr lang="en-US" dirty="0" err="1" smtClean="0"/>
-              <a:t>api</a:t>
-            </a:r>
-            <a:r>
-              <a:rPr lang="en-US" dirty="0" smtClean="0"/>
-              <a:t>, </a:t>
-            </a:r>
-            <a:r>
-              <a:rPr lang="en-US" dirty="0" err="1" smtClean="0"/>
-              <a:t>javascript</a:t>
-            </a:r>
-            <a:r>
-              <a:rPr lang="en-US" dirty="0" smtClean="0"/>
-              <a:t>, ajax…</a:t>
-            </a:r>
-          </a:p>
-          <a:p>
-            <a:r>
-              <a:rPr lang="en-US" dirty="0" smtClean="0"/>
+              <a:rPr lang="en-US" sz="2400" b="1" dirty="0" smtClean="0">
+                <a:latin typeface="Times New Roman" panose="02020603050405020304" pitchFamily="18" charset="0"/>
+                <a:cs typeface="Times New Roman" panose="02020603050405020304" pitchFamily="18" charset="0"/>
+              </a:rPr>
+              <a:t>HTML, CSS, JS….</a:t>
+            </a:r>
+            <a:endParaRPr lang="en-US" sz="2400" b="1" dirty="0" smtClean="0">
+              <a:latin typeface="Times New Roman" panose="02020603050405020304" pitchFamily="18" charset="0"/>
+              <a:cs typeface="Times New Roman" panose="02020603050405020304" pitchFamily="18" charset="0"/>
+            </a:endParaRPr>
+          </a:p>
+          <a:p>
+            <a:r>
+              <a:rPr lang="en-US" sz="2400" b="1" dirty="0" smtClean="0">
+                <a:latin typeface="Times New Roman" panose="02020603050405020304" pitchFamily="18" charset="0"/>
+                <a:cs typeface="Times New Roman" panose="02020603050405020304" pitchFamily="18" charset="0"/>
+              </a:rPr>
               <a:t>Have basic functions: Login, Register, upload image, show list all, share picture to, save picture….</a:t>
             </a:r>
           </a:p>
@@ -6622,7 +6577,7 @@
       </p:sp>
       <p:pic>
         <p:nvPicPr>
-          <p:cNvPr id="4" name="Picture 3"/>
+          <p:cNvPr id="5" name="Picture 4"/>
           <p:cNvPicPr>
             <a:picLocks noChangeAspect="1"/>
           </p:cNvPicPr>
@@ -6636,8 +6591,8 @@
         </p:blipFill>
         <p:spPr>
           <a:xfrm>
-            <a:off x="4140200" y="469901"/>
-            <a:ext cx="7318772" cy="4114800"/>
+            <a:off x="3905067" y="1261782"/>
+            <a:ext cx="6739466" cy="3790950"/>
           </a:xfrm>
           <a:prstGeom prst="rect">
             <a:avLst/>
@@ -6739,7 +6694,7 @@
       </p:sp>
       <p:pic>
         <p:nvPicPr>
-          <p:cNvPr id="5" name="Picture 4"/>
+          <p:cNvPr id="8" name="Picture 7"/>
           <p:cNvPicPr>
             <a:picLocks noChangeAspect="1"/>
           </p:cNvPicPr>
@@ -6753,8 +6708,8 @@
         </p:blipFill>
         <p:spPr>
           <a:xfrm>
-            <a:off x="4893567" y="292100"/>
-            <a:ext cx="6844407" cy="3848100"/>
+            <a:off x="4775978" y="1577685"/>
+            <a:ext cx="6433704" cy="3618959"/>
           </a:xfrm>
           <a:prstGeom prst="rect">
             <a:avLst/>
@@ -6856,7 +6811,7 @@
       </p:sp>
       <p:pic>
         <p:nvPicPr>
-          <p:cNvPr id="6" name="Picture 5"/>
+          <p:cNvPr id="5" name="Picture 4"/>
           <p:cNvPicPr>
             <a:picLocks noChangeAspect="1"/>
           </p:cNvPicPr>
@@ -6870,8 +6825,8 @@
         </p:blipFill>
         <p:spPr>
           <a:xfrm>
-            <a:off x="3730989" y="685800"/>
-            <a:ext cx="7838314" cy="4406900"/>
+            <a:off x="4166566" y="980316"/>
+            <a:ext cx="6994816" cy="3934584"/>
           </a:xfrm>
           <a:prstGeom prst="rect">
             <a:avLst/>
@@ -6973,7 +6928,7 @@
       </p:sp>
       <p:pic>
         <p:nvPicPr>
-          <p:cNvPr id="5" name="Picture 4"/>
+          <p:cNvPr id="4" name="Picture 3"/>
           <p:cNvPicPr>
             <a:picLocks noChangeAspect="1"/>
           </p:cNvPicPr>
@@ -6987,8 +6942,8 @@
         </p:blipFill>
         <p:spPr>
           <a:xfrm>
-            <a:off x="4386064" y="685800"/>
-            <a:ext cx="7228417" cy="4064000"/>
+            <a:off x="4694583" y="1230032"/>
+            <a:ext cx="6388100" cy="3593306"/>
           </a:xfrm>
           <a:prstGeom prst="rect">
             <a:avLst/>
@@ -7037,14 +6992,27 @@
         </p:nvSpPr>
         <p:spPr/>
         <p:txBody>
-          <a:bodyPr/>
+          <a:bodyPr>
+            <a:normAutofit fontScale="90000"/>
+          </a:bodyPr>
           <a:lstStyle/>
           <a:p>
             <a:r>
               <a:rPr lang="en-US" dirty="0" smtClean="0">
                 <a:latin typeface="Arial Black" panose="020B0A04020102020204" pitchFamily="34" charset="0"/>
               </a:rPr>
-              <a:t>Upload</a:t>
+              <a:t>Selected</a:t>
+            </a:r>
+            <a:br>
+              <a:rPr lang="en-US" dirty="0" smtClean="0">
+                <a:latin typeface="Arial Black" panose="020B0A04020102020204" pitchFamily="34" charset="0"/>
+              </a:rPr>
+            </a:br>
+            <a:r>
+              <a:rPr lang="en-US" dirty="0" smtClean="0">
+                <a:latin typeface="Arial Black" panose="020B0A04020102020204" pitchFamily="34" charset="0"/>
+              </a:rPr>
+              <a:t>and save</a:t>
             </a:r>
             <a:endParaRPr lang="en-US" dirty="0">
               <a:latin typeface="Arial Black" panose="020B0A04020102020204" pitchFamily="34" charset="0"/>
@@ -7052,45 +7020,9 @@
           </a:p>
         </p:txBody>
       </p:sp>
-      <p:sp>
-        <p:nvSpPr>
-          <p:cNvPr id="3" name="Content Placeholder 2"/>
-          <p:cNvSpPr>
-            <a:spLocks noGrp="1"/>
-          </p:cNvSpPr>
-          <p:nvPr>
-            <p:ph sz="quarter" idx="13"/>
-          </p:nvPr>
-        </p:nvSpPr>
-        <p:spPr>
-          <a:xfrm>
-            <a:off x="685801" y="1714500"/>
-            <a:ext cx="3022599" cy="1358900"/>
-          </a:xfrm>
-        </p:spPr>
-        <p:txBody>
-          <a:bodyPr/>
-          <a:lstStyle/>
-          <a:p>
-            <a:pPr marL="0" indent="0">
-              <a:buNone/>
-            </a:pPr>
-            <a:r>
-              <a:rPr lang="en-US" dirty="0" smtClean="0"/>
-              <a:t>Upload picture</a:t>
-            </a:r>
-          </a:p>
-          <a:p>
-            <a:pPr marL="0" indent="0">
-              <a:buNone/>
-            </a:pPr>
-            <a:endParaRPr lang="en-US" dirty="0"/>
-          </a:p>
-        </p:txBody>
-      </p:sp>
       <p:pic>
         <p:nvPicPr>
-          <p:cNvPr id="5" name="Picture 4"/>
+          <p:cNvPr id="3" name="Picture 2"/>
           <p:cNvPicPr>
             <a:picLocks noChangeAspect="1"/>
           </p:cNvPicPr>
@@ -7104,8 +7036,32 @@
         </p:blipFill>
         <p:spPr>
           <a:xfrm>
-            <a:off x="4386064" y="685800"/>
-            <a:ext cx="7228417" cy="4064000"/>
+            <a:off x="6986361" y="2357357"/>
+            <a:ext cx="4096322" cy="1152686"/>
+          </a:xfrm>
+          <a:prstGeom prst="rect">
+            <a:avLst/>
+          </a:prstGeom>
+        </p:spPr>
+      </p:pic>
+      <p:pic>
+        <p:nvPicPr>
+          <p:cNvPr id="5" name="Picture 4"/>
+          <p:cNvPicPr>
+            <a:picLocks noChangeAspect="1"/>
+          </p:cNvPicPr>
+          <p:nvPr/>
+        </p:nvPicPr>
+        <p:blipFill>
+          <a:blip r:embed="rId3"/>
+          <a:stretch>
+            <a:fillRect/>
+          </a:stretch>
+        </p:blipFill>
+        <p:spPr>
+          <a:xfrm>
+            <a:off x="685801" y="2166857"/>
+            <a:ext cx="5748723" cy="3233657"/>
           </a:xfrm>
           <a:prstGeom prst="rect">
             <a:avLst/>
@@ -7115,7 +7071,7 @@
     </p:spTree>
     <p:extLst>
       <p:ext uri="{BB962C8B-B14F-4D97-AF65-F5344CB8AC3E}">
-        <p14:creationId xmlns:p14="http://schemas.microsoft.com/office/powerpoint/2010/main" val="2156402334"/>
+        <p14:creationId xmlns:p14="http://schemas.microsoft.com/office/powerpoint/2010/main" val="134317824"/>
       </p:ext>
     </p:extLst>
   </p:cSld>
